--- a/W14/Node-RED課程_04.pptx
+++ b/W14/Node-RED課程_04.pptx
@@ -155,6 +155,22 @@
       </a:defRPr>
     </a:lvl9pPr>
   </p:defaultTextStyle>
+  <p:extLst>
+    <p:ext uri="{EFAFB233-063F-42B5-8137-9DF3F51BA10A}">
+      <p15:sldGuideLst xmlns:p15="http://schemas.microsoft.com/office/powerpoint/2012/main">
+        <p15:guide id="1" orient="horz" pos="2160">
+          <p15:clr>
+            <a:srgbClr val="A4A3A4"/>
+          </p15:clr>
+        </p15:guide>
+        <p15:guide id="2" pos="2880">
+          <p15:clr>
+            <a:srgbClr val="A4A3A4"/>
+          </p15:clr>
+        </p15:guide>
+      </p15:sldGuideLst>
+    </p:ext>
+  </p:extLst>
 </p:presentation>
 </file>
 
@@ -240,7 +256,7 @@
           <a:p>
             <a:fld id="{1D57665F-9663-4C79-B31A-D759FBA98EC6}" type="datetimeFigureOut">
               <a:rPr lang="zh-TW" altLang="en-US" smtClean="0"/>
-              <a:t>2023/12/14</a:t>
+              <a:t>2023/12/15</a:t>
             </a:fld>
             <a:endParaRPr lang="zh-TW" altLang="en-US"/>
           </a:p>
@@ -799,7 +815,7 @@
           <a:p>
             <a:fld id="{5BBEAD13-0566-4C6C-97E7-55F17F24B09F}" type="datetimeFigureOut">
               <a:rPr lang="zh-TW" altLang="en-US" smtClean="0"/>
-              <a:t>2023/12/14</a:t>
+              <a:t>2023/12/15</a:t>
             </a:fld>
             <a:endParaRPr lang="zh-TW" altLang="en-US"/>
           </a:p>
@@ -990,7 +1006,7 @@
           <a:p>
             <a:fld id="{5BBEAD13-0566-4C6C-97E7-55F17F24B09F}" type="datetimeFigureOut">
               <a:rPr lang="zh-TW" altLang="en-US" smtClean="0"/>
-              <a:t>2023/12/14</a:t>
+              <a:t>2023/12/15</a:t>
             </a:fld>
             <a:endParaRPr lang="zh-TW" altLang="en-US"/>
           </a:p>
@@ -1175,7 +1191,7 @@
           <a:p>
             <a:fld id="{5BBEAD13-0566-4C6C-97E7-55F17F24B09F}" type="datetimeFigureOut">
               <a:rPr lang="zh-TW" altLang="en-US" smtClean="0"/>
-              <a:t>2023/12/14</a:t>
+              <a:t>2023/12/15</a:t>
             </a:fld>
             <a:endParaRPr lang="zh-TW" altLang="en-US"/>
           </a:p>
@@ -1438,7 +1454,7 @@
           <a:p>
             <a:fld id="{5BBEAD13-0566-4C6C-97E7-55F17F24B09F}" type="datetimeFigureOut">
               <a:rPr lang="zh-TW" altLang="en-US" smtClean="0"/>
-              <a:t>2023/12/14</a:t>
+              <a:t>2023/12/15</a:t>
             </a:fld>
             <a:endParaRPr lang="zh-TW" altLang="en-US"/>
           </a:p>
@@ -1854,7 +1870,7 @@
           <a:p>
             <a:fld id="{5BBEAD13-0566-4C6C-97E7-55F17F24B09F}" type="datetimeFigureOut">
               <a:rPr lang="zh-TW" altLang="en-US" smtClean="0"/>
-              <a:t>2023/12/14</a:t>
+              <a:t>2023/12/15</a:t>
             </a:fld>
             <a:endParaRPr lang="zh-TW" altLang="en-US"/>
           </a:p>
@@ -2096,7 +2112,7 @@
           <a:p>
             <a:fld id="{5BBEAD13-0566-4C6C-97E7-55F17F24B09F}" type="datetimeFigureOut">
               <a:rPr lang="zh-TW" altLang="en-US" smtClean="0"/>
-              <a:t>2023/12/14</a:t>
+              <a:t>2023/12/15</a:t>
             </a:fld>
             <a:endParaRPr lang="zh-TW" altLang="en-US"/>
           </a:p>
@@ -2332,7 +2348,7 @@
           <a:p>
             <a:fld id="{5BBEAD13-0566-4C6C-97E7-55F17F24B09F}" type="datetimeFigureOut">
               <a:rPr lang="zh-TW" altLang="en-US" smtClean="0"/>
-              <a:t>2023/12/14</a:t>
+              <a:t>2023/12/15</a:t>
             </a:fld>
             <a:endParaRPr lang="zh-TW" altLang="en-US"/>
           </a:p>
@@ -2527,7 +2543,7 @@
           <a:p>
             <a:fld id="{5BBEAD13-0566-4C6C-97E7-55F17F24B09F}" type="datetimeFigureOut">
               <a:rPr lang="zh-TW" altLang="en-US" smtClean="0"/>
-              <a:t>2023/12/14</a:t>
+              <a:t>2023/12/15</a:t>
             </a:fld>
             <a:endParaRPr lang="zh-TW" altLang="en-US"/>
           </a:p>
@@ -2625,7 +2641,7 @@
           <a:p>
             <a:fld id="{5BBEAD13-0566-4C6C-97E7-55F17F24B09F}" type="datetimeFigureOut">
               <a:rPr lang="zh-TW" altLang="en-US" smtClean="0"/>
-              <a:t>2023/12/14</a:t>
+              <a:t>2023/12/15</a:t>
             </a:fld>
             <a:endParaRPr lang="zh-TW" altLang="en-US"/>
           </a:p>
@@ -2761,7 +2777,7 @@
           <a:p>
             <a:fld id="{5BBEAD13-0566-4C6C-97E7-55F17F24B09F}" type="datetimeFigureOut">
               <a:rPr lang="zh-TW" altLang="en-US" smtClean="0"/>
-              <a:t>2023/12/14</a:t>
+              <a:t>2023/12/15</a:t>
             </a:fld>
             <a:endParaRPr lang="zh-TW" altLang="en-US"/>
           </a:p>
@@ -3279,7 +3295,7 @@
           <a:p>
             <a:fld id="{5BBEAD13-0566-4C6C-97E7-55F17F24B09F}" type="datetimeFigureOut">
               <a:rPr lang="zh-TW" altLang="en-US" smtClean="0"/>
-              <a:t>2023/12/14</a:t>
+              <a:t>2023/12/15</a:t>
             </a:fld>
             <a:endParaRPr lang="zh-TW" altLang="en-US"/>
           </a:p>
@@ -3540,7 +3556,7 @@
           <a:p>
             <a:fld id="{5BBEAD13-0566-4C6C-97E7-55F17F24B09F}" type="datetimeFigureOut">
               <a:rPr lang="zh-TW" altLang="en-US" smtClean="0"/>
-              <a:t>2023/12/14</a:t>
+              <a:t>2023/12/15</a:t>
             </a:fld>
             <a:endParaRPr lang="zh-TW" altLang="en-US"/>
           </a:p>
@@ -4109,11 +4125,7 @@
             </a:br>
             <a:r>
               <a:rPr lang="en-US" altLang="zh-TW" dirty="0" smtClean="0"/>
-              <a:t>- </a:t>
-            </a:r>
-            <a:r>
-              <a:rPr lang="en-US" altLang="zh-TW" dirty="0" smtClean="0"/>
-              <a:t>MQTT</a:t>
+              <a:t>- MQTT</a:t>
             </a:r>
             <a:r>
               <a:rPr lang="zh-TW" altLang="en-US" dirty="0" smtClean="0"/>
@@ -11444,7 +11456,7 @@
         </p:spPr>
         <p:txBody>
           <a:bodyPr>
-            <a:normAutofit/>
+            <a:normAutofit lnSpcReduction="10000"/>
           </a:bodyPr>
           <a:lstStyle/>
           <a:p>
@@ -11456,7 +11468,222 @@
             </a:pPr>
             <a:r>
               <a:rPr lang="zh-TW" altLang="en-US" dirty="0" smtClean="0"/>
-              <a:t>試著把電壓、電流、用電量都加進來</a:t>
+              <a:t>試著把電壓、電流、用電量都加</a:t>
+            </a:r>
+            <a:r>
+              <a:rPr lang="zh-TW" altLang="en-US" dirty="0" smtClean="0"/>
+              <a:t>進來</a:t>
+            </a:r>
+            <a:endParaRPr lang="en-US" altLang="zh-TW" dirty="0" smtClean="0"/>
+          </a:p>
+          <a:p>
+            <a:pPr marL="571500" indent="-457200">
+              <a:spcBef>
+                <a:spcPts val="0"/>
+              </a:spcBef>
+              <a:buSzPts val="1800"/>
+            </a:pPr>
+            <a:r>
+              <a:rPr lang="en-US" altLang="zh-TW" dirty="0" smtClean="0"/>
+              <a:t>/</a:t>
+            </a:r>
+            <a:r>
+              <a:rPr lang="en-US" altLang="zh-TW" dirty="0" err="1" smtClean="0"/>
+              <a:t>malo</a:t>
+            </a:r>
+            <a:r>
+              <a:rPr lang="en-US" altLang="zh-TW" dirty="0" smtClean="0"/>
+              <a:t>/farm/v1</a:t>
+            </a:r>
+          </a:p>
+          <a:p>
+            <a:pPr marL="571500" indent="-457200">
+              <a:spcBef>
+                <a:spcPts val="0"/>
+              </a:spcBef>
+              <a:buSzPts val="1800"/>
+            </a:pPr>
+            <a:r>
+              <a:rPr lang="en-US" altLang="zh-TW" dirty="0" smtClean="0"/>
+              <a:t>/</a:t>
+            </a:r>
+            <a:r>
+              <a:rPr lang="en-US" altLang="zh-TW" dirty="0" err="1" smtClean="0"/>
+              <a:t>malo</a:t>
+            </a:r>
+            <a:r>
+              <a:rPr lang="en-US" altLang="zh-TW" dirty="0" smtClean="0"/>
+              <a:t>/farm/v2</a:t>
+            </a:r>
+          </a:p>
+          <a:p>
+            <a:pPr marL="571500" indent="-457200">
+              <a:spcBef>
+                <a:spcPts val="0"/>
+              </a:spcBef>
+              <a:buSzPts val="1800"/>
+            </a:pPr>
+            <a:r>
+              <a:rPr lang="en-US" altLang="zh-TW" dirty="0" smtClean="0"/>
+              <a:t>/</a:t>
+            </a:r>
+            <a:r>
+              <a:rPr lang="en-US" altLang="zh-TW" dirty="0" err="1" smtClean="0"/>
+              <a:t>malo</a:t>
+            </a:r>
+            <a:r>
+              <a:rPr lang="en-US" altLang="zh-TW" dirty="0" smtClean="0"/>
+              <a:t>/farm/v3</a:t>
+            </a:r>
+          </a:p>
+          <a:p>
+            <a:pPr marL="571500" indent="-457200">
+              <a:spcBef>
+                <a:spcPts val="0"/>
+              </a:spcBef>
+              <a:buSzPts val="1800"/>
+            </a:pPr>
+            <a:r>
+              <a:rPr lang="en-US" altLang="zh-TW" dirty="0" smtClean="0"/>
+              <a:t>/</a:t>
+            </a:r>
+            <a:r>
+              <a:rPr lang="en-US" altLang="zh-TW" dirty="0" err="1" smtClean="0"/>
+              <a:t>malo</a:t>
+            </a:r>
+            <a:r>
+              <a:rPr lang="en-US" altLang="zh-TW" dirty="0" smtClean="0"/>
+              <a:t>/farm/a1</a:t>
+            </a:r>
+          </a:p>
+          <a:p>
+            <a:pPr marL="571500" indent="-457200">
+              <a:spcBef>
+                <a:spcPts val="0"/>
+              </a:spcBef>
+              <a:buSzPts val="1800"/>
+            </a:pPr>
+            <a:r>
+              <a:rPr lang="en-US" altLang="zh-TW" dirty="0" smtClean="0"/>
+              <a:t>/</a:t>
+            </a:r>
+            <a:r>
+              <a:rPr lang="en-US" altLang="zh-TW" dirty="0" err="1" smtClean="0"/>
+              <a:t>malo</a:t>
+            </a:r>
+            <a:r>
+              <a:rPr lang="en-US" altLang="zh-TW" dirty="0" smtClean="0"/>
+              <a:t>/farm/a2</a:t>
+            </a:r>
+          </a:p>
+          <a:p>
+            <a:pPr marL="571500" indent="-457200">
+              <a:spcBef>
+                <a:spcPts val="0"/>
+              </a:spcBef>
+              <a:buSzPts val="1800"/>
+            </a:pPr>
+            <a:r>
+              <a:rPr lang="en-US" altLang="zh-TW" dirty="0" smtClean="0"/>
+              <a:t>/</a:t>
+            </a:r>
+            <a:r>
+              <a:rPr lang="en-US" altLang="zh-TW" dirty="0" err="1" smtClean="0"/>
+              <a:t>malo</a:t>
+            </a:r>
+            <a:r>
+              <a:rPr lang="en-US" altLang="zh-TW" dirty="0" smtClean="0"/>
+              <a:t>/farm/a3</a:t>
+            </a:r>
+          </a:p>
+          <a:p>
+            <a:pPr marL="571500" indent="-457200">
+              <a:spcBef>
+                <a:spcPts val="0"/>
+              </a:spcBef>
+              <a:buSzPts val="1800"/>
+            </a:pPr>
+            <a:r>
+              <a:rPr lang="en-US" altLang="zh-TW" dirty="0" smtClean="0"/>
+              <a:t>/</a:t>
+            </a:r>
+            <a:r>
+              <a:rPr lang="en-US" altLang="zh-TW" dirty="0" err="1" smtClean="0"/>
+              <a:t>malo</a:t>
+            </a:r>
+            <a:r>
+              <a:rPr lang="en-US" altLang="zh-TW" dirty="0" smtClean="0"/>
+              <a:t>/farm/</a:t>
+            </a:r>
+            <a:r>
+              <a:rPr lang="en-US" altLang="zh-TW" dirty="0" err="1" smtClean="0"/>
+              <a:t>total_e</a:t>
+            </a:r>
+            <a:endParaRPr lang="en-US" altLang="zh-TW" dirty="0" smtClean="0"/>
+          </a:p>
+          <a:p>
+            <a:pPr marL="571500" indent="-457200">
+              <a:spcBef>
+                <a:spcPts val="0"/>
+              </a:spcBef>
+              <a:buSzPts val="1800"/>
+            </a:pPr>
+            <a:r>
+              <a:rPr lang="en-US" altLang="zh-TW" dirty="0" smtClean="0"/>
+              <a:t>/</a:t>
+            </a:r>
+            <a:r>
+              <a:rPr lang="en-US" altLang="zh-TW" dirty="0" err="1" smtClean="0"/>
+              <a:t>malo</a:t>
+            </a:r>
+            <a:r>
+              <a:rPr lang="en-US" altLang="zh-TW" dirty="0" smtClean="0"/>
+              <a:t>/farm/temp</a:t>
+            </a:r>
+          </a:p>
+          <a:p>
+            <a:pPr marL="571500" indent="-457200">
+              <a:spcBef>
+                <a:spcPts val="0"/>
+              </a:spcBef>
+              <a:buSzPts val="1800"/>
+            </a:pPr>
+            <a:r>
+              <a:rPr lang="en-US" altLang="zh-TW" dirty="0" smtClean="0"/>
+              <a:t>/</a:t>
+            </a:r>
+            <a:r>
+              <a:rPr lang="en-US" altLang="zh-TW" dirty="0" err="1" smtClean="0"/>
+              <a:t>malo</a:t>
+            </a:r>
+            <a:r>
+              <a:rPr lang="en-US" altLang="zh-TW" dirty="0" smtClean="0"/>
+              <a:t>/farm/</a:t>
+            </a:r>
+            <a:r>
+              <a:rPr lang="en-US" altLang="zh-TW" dirty="0" err="1" smtClean="0"/>
+              <a:t>humi</a:t>
+            </a:r>
+            <a:endParaRPr lang="en-US" altLang="zh-TW" dirty="0" smtClean="0"/>
+          </a:p>
+          <a:p>
+            <a:pPr marL="571500" indent="-457200">
+              <a:spcBef>
+                <a:spcPts val="0"/>
+              </a:spcBef>
+              <a:buSzPts val="1800"/>
+            </a:pPr>
+            <a:r>
+              <a:rPr lang="en-US" altLang="zh-TW" dirty="0" smtClean="0"/>
+              <a:t>/</a:t>
+            </a:r>
+            <a:r>
+              <a:rPr lang="en-US" altLang="zh-TW" dirty="0" err="1" smtClean="0"/>
+              <a:t>malo</a:t>
+            </a:r>
+            <a:r>
+              <a:rPr lang="en-US" altLang="zh-TW" dirty="0" smtClean="0"/>
+              <a:t>/farm/CO2</a:t>
             </a:r>
             <a:endParaRPr lang="zh-TW" altLang="en-US" dirty="0"/>
           </a:p>
